--- a/Final Project Presentation.pptx
+++ b/Final Project Presentation.pptx
@@ -134,6 +134,9 @@
         </p14:section>
       </p14:sectionLst>
     </p:ext>
+    <p:ext uri="{EFAFB233-063F-42B5-8137-9DF3F51BA10A}">
+      <p15:sldGuideLst xmlns:p15="http://schemas.microsoft.com/office/powerpoint/2012/main"/>
+    </p:ext>
   </p:extLst>
 </p:presentation>
 </file>
@@ -285,7 +288,7 @@
           <a:p>
             <a:fld id="{DAED16D8-1B44-6C4F-A8AE-A919C5BE05BD}" type="datetimeFigureOut">
               <a:rPr lang="en-US" smtClean="0"/>
-              <a:t>2/20/24</a:t>
+              <a:t>2/25/24</a:t>
             </a:fld>
             <a:endParaRPr lang="en-US"/>
           </a:p>
@@ -483,7 +486,7 @@
           <a:p>
             <a:fld id="{DAED16D8-1B44-6C4F-A8AE-A919C5BE05BD}" type="datetimeFigureOut">
               <a:rPr lang="en-US" smtClean="0"/>
-              <a:t>2/20/24</a:t>
+              <a:t>2/25/24</a:t>
             </a:fld>
             <a:endParaRPr lang="en-US"/>
           </a:p>
@@ -691,7 +694,7 @@
           <a:p>
             <a:fld id="{DAED16D8-1B44-6C4F-A8AE-A919C5BE05BD}" type="datetimeFigureOut">
               <a:rPr lang="en-US" smtClean="0"/>
-              <a:t>2/20/24</a:t>
+              <a:t>2/25/24</a:t>
             </a:fld>
             <a:endParaRPr lang="en-US"/>
           </a:p>
@@ -889,7 +892,7 @@
           <a:p>
             <a:fld id="{DAED16D8-1B44-6C4F-A8AE-A919C5BE05BD}" type="datetimeFigureOut">
               <a:rPr lang="en-US" smtClean="0"/>
-              <a:t>2/20/24</a:t>
+              <a:t>2/25/24</a:t>
             </a:fld>
             <a:endParaRPr lang="en-US"/>
           </a:p>
@@ -1164,7 +1167,7 @@
           <a:p>
             <a:fld id="{DAED16D8-1B44-6C4F-A8AE-A919C5BE05BD}" type="datetimeFigureOut">
               <a:rPr lang="en-US" smtClean="0"/>
-              <a:t>2/20/24</a:t>
+              <a:t>2/25/24</a:t>
             </a:fld>
             <a:endParaRPr lang="en-US"/>
           </a:p>
@@ -1429,7 +1432,7 @@
           <a:p>
             <a:fld id="{DAED16D8-1B44-6C4F-A8AE-A919C5BE05BD}" type="datetimeFigureOut">
               <a:rPr lang="en-US" smtClean="0"/>
-              <a:t>2/20/24</a:t>
+              <a:t>2/25/24</a:t>
             </a:fld>
             <a:endParaRPr lang="en-US"/>
           </a:p>
@@ -1841,7 +1844,7 @@
           <a:p>
             <a:fld id="{DAED16D8-1B44-6C4F-A8AE-A919C5BE05BD}" type="datetimeFigureOut">
               <a:rPr lang="en-US" smtClean="0"/>
-              <a:t>2/20/24</a:t>
+              <a:t>2/25/24</a:t>
             </a:fld>
             <a:endParaRPr lang="en-US"/>
           </a:p>
@@ -1982,7 +1985,7 @@
           <a:p>
             <a:fld id="{DAED16D8-1B44-6C4F-A8AE-A919C5BE05BD}" type="datetimeFigureOut">
               <a:rPr lang="en-US" smtClean="0"/>
-              <a:t>2/20/24</a:t>
+              <a:t>2/25/24</a:t>
             </a:fld>
             <a:endParaRPr lang="en-US"/>
           </a:p>
@@ -2095,7 +2098,7 @@
           <a:p>
             <a:fld id="{DAED16D8-1B44-6C4F-A8AE-A919C5BE05BD}" type="datetimeFigureOut">
               <a:rPr lang="en-US" smtClean="0"/>
-              <a:t>2/20/24</a:t>
+              <a:t>2/25/24</a:t>
             </a:fld>
             <a:endParaRPr lang="en-US"/>
           </a:p>
@@ -2406,7 +2409,7 @@
           <a:p>
             <a:fld id="{DAED16D8-1B44-6C4F-A8AE-A919C5BE05BD}" type="datetimeFigureOut">
               <a:rPr lang="en-US" smtClean="0"/>
-              <a:t>2/20/24</a:t>
+              <a:t>2/25/24</a:t>
             </a:fld>
             <a:endParaRPr lang="en-US"/>
           </a:p>
@@ -2694,7 +2697,7 @@
           <a:p>
             <a:fld id="{DAED16D8-1B44-6C4F-A8AE-A919C5BE05BD}" type="datetimeFigureOut">
               <a:rPr lang="en-US" smtClean="0"/>
-              <a:t>2/20/24</a:t>
+              <a:t>2/25/24</a:t>
             </a:fld>
             <a:endParaRPr lang="en-US"/>
           </a:p>
@@ -2935,7 +2938,7 @@
           <a:p>
             <a:fld id="{DAED16D8-1B44-6C4F-A8AE-A919C5BE05BD}" type="datetimeFigureOut">
               <a:rPr lang="en-US" smtClean="0"/>
-              <a:t>2/20/24</a:t>
+              <a:t>2/25/24</a:t>
             </a:fld>
             <a:endParaRPr lang="en-US"/>
           </a:p>
@@ -3475,31 +3478,35 @@
           </a:p>
         </p:txBody>
       </p:sp>
-      <p:sp>
-        <p:nvSpPr>
-          <p:cNvPr id="3" name="Content Placeholder 2">
-            <a:extLst>
-              <a:ext uri="{FF2B5EF4-FFF2-40B4-BE49-F238E27FC236}">
-                <a16:creationId xmlns:a16="http://schemas.microsoft.com/office/drawing/2014/main" id="{2774A46F-E4B7-D740-A1CC-F143C7D7DE4A}"/>
-              </a:ext>
-            </a:extLst>
-          </p:cNvPr>
-          <p:cNvSpPr>
-            <a:spLocks noGrp="1"/>
-          </p:cNvSpPr>
+      <p:pic>
+        <p:nvPicPr>
+          <p:cNvPr id="5" name="Content Placeholder 4" descr="A screenshot of a web page&#10;&#10;Description automatically generated">
+            <a:extLst>
+              <a:ext uri="{FF2B5EF4-FFF2-40B4-BE49-F238E27FC236}">
+                <a16:creationId xmlns:a16="http://schemas.microsoft.com/office/drawing/2014/main" id="{1B847B4F-A34D-654E-A064-784D0C37C0E1}"/>
+              </a:ext>
+            </a:extLst>
+          </p:cNvPr>
+          <p:cNvPicPr>
+            <a:picLocks noGrp="1" noChangeAspect="1"/>
+          </p:cNvPicPr>
           <p:nvPr>
             <p:ph idx="1"/>
           </p:nvPr>
-        </p:nvSpPr>
-        <p:spPr/>
-        <p:txBody>
-          <a:bodyPr/>
-          <a:lstStyle/>
-          <a:p>
-            <a:endParaRPr lang="en-US"/>
-          </a:p>
-        </p:txBody>
-      </p:sp>
+        </p:nvPicPr>
+        <p:blipFill>
+          <a:blip r:embed="rId2"/>
+          <a:stretch>
+            <a:fillRect/>
+          </a:stretch>
+        </p:blipFill>
+        <p:spPr>
+          <a:xfrm>
+            <a:off x="4104314" y="1825625"/>
+            <a:ext cx="3983372" cy="4351338"/>
+          </a:xfrm>
+        </p:spPr>
+      </p:pic>
     </p:spTree>
     <p:extLst>
       <p:ext uri="{BB962C8B-B14F-4D97-AF65-F5344CB8AC3E}">

--- a/Final Project Presentation.pptx
+++ b/Final Project Presentation.pptx
@@ -8,14 +8,15 @@
     <p:sldId id="256" r:id="rId2"/>
     <p:sldId id="261" r:id="rId3"/>
     <p:sldId id="258" r:id="rId4"/>
-    <p:sldId id="257" r:id="rId5"/>
-    <p:sldId id="259" r:id="rId6"/>
-    <p:sldId id="262" r:id="rId7"/>
-    <p:sldId id="263" r:id="rId8"/>
-    <p:sldId id="264" r:id="rId9"/>
-    <p:sldId id="265" r:id="rId10"/>
-    <p:sldId id="266" r:id="rId11"/>
-    <p:sldId id="260" r:id="rId12"/>
+    <p:sldId id="269" r:id="rId5"/>
+    <p:sldId id="257" r:id="rId6"/>
+    <p:sldId id="259" r:id="rId7"/>
+    <p:sldId id="267" r:id="rId8"/>
+    <p:sldId id="268" r:id="rId9"/>
+    <p:sldId id="263" r:id="rId10"/>
+    <p:sldId id="264" r:id="rId11"/>
+    <p:sldId id="266" r:id="rId12"/>
+    <p:sldId id="260" r:id="rId13"/>
   </p:sldIdLst>
   <p:sldSz cx="12192000" cy="6858000"/>
   <p:notesSz cx="6858000" cy="9144000"/>
@@ -122,12 +123,13 @@
             <p14:sldId id="256"/>
             <p14:sldId id="261"/>
             <p14:sldId id="258"/>
+            <p14:sldId id="269"/>
             <p14:sldId id="257"/>
             <p14:sldId id="259"/>
-            <p14:sldId id="262"/>
+            <p14:sldId id="267"/>
+            <p14:sldId id="268"/>
             <p14:sldId id="263"/>
             <p14:sldId id="264"/>
-            <p14:sldId id="265"/>
             <p14:sldId id="266"/>
             <p14:sldId id="260"/>
           </p14:sldIdLst>
@@ -288,7 +290,7 @@
           <a:p>
             <a:fld id="{DAED16D8-1B44-6C4F-A8AE-A919C5BE05BD}" type="datetimeFigureOut">
               <a:rPr lang="en-US" smtClean="0"/>
-              <a:t>2/25/24</a:t>
+              <a:t>2/26/24</a:t>
             </a:fld>
             <a:endParaRPr lang="en-US"/>
           </a:p>
@@ -486,7 +488,7 @@
           <a:p>
             <a:fld id="{DAED16D8-1B44-6C4F-A8AE-A919C5BE05BD}" type="datetimeFigureOut">
               <a:rPr lang="en-US" smtClean="0"/>
-              <a:t>2/25/24</a:t>
+              <a:t>2/26/24</a:t>
             </a:fld>
             <a:endParaRPr lang="en-US"/>
           </a:p>
@@ -694,7 +696,7 @@
           <a:p>
             <a:fld id="{DAED16D8-1B44-6C4F-A8AE-A919C5BE05BD}" type="datetimeFigureOut">
               <a:rPr lang="en-US" smtClean="0"/>
-              <a:t>2/25/24</a:t>
+              <a:t>2/26/24</a:t>
             </a:fld>
             <a:endParaRPr lang="en-US"/>
           </a:p>
@@ -892,7 +894,7 @@
           <a:p>
             <a:fld id="{DAED16D8-1B44-6C4F-A8AE-A919C5BE05BD}" type="datetimeFigureOut">
               <a:rPr lang="en-US" smtClean="0"/>
-              <a:t>2/25/24</a:t>
+              <a:t>2/26/24</a:t>
             </a:fld>
             <a:endParaRPr lang="en-US"/>
           </a:p>
@@ -1167,7 +1169,7 @@
           <a:p>
             <a:fld id="{DAED16D8-1B44-6C4F-A8AE-A919C5BE05BD}" type="datetimeFigureOut">
               <a:rPr lang="en-US" smtClean="0"/>
-              <a:t>2/25/24</a:t>
+              <a:t>2/26/24</a:t>
             </a:fld>
             <a:endParaRPr lang="en-US"/>
           </a:p>
@@ -1432,7 +1434,7 @@
           <a:p>
             <a:fld id="{DAED16D8-1B44-6C4F-A8AE-A919C5BE05BD}" type="datetimeFigureOut">
               <a:rPr lang="en-US" smtClean="0"/>
-              <a:t>2/25/24</a:t>
+              <a:t>2/26/24</a:t>
             </a:fld>
             <a:endParaRPr lang="en-US"/>
           </a:p>
@@ -1844,7 +1846,7 @@
           <a:p>
             <a:fld id="{DAED16D8-1B44-6C4F-A8AE-A919C5BE05BD}" type="datetimeFigureOut">
               <a:rPr lang="en-US" smtClean="0"/>
-              <a:t>2/25/24</a:t>
+              <a:t>2/26/24</a:t>
             </a:fld>
             <a:endParaRPr lang="en-US"/>
           </a:p>
@@ -1985,7 +1987,7 @@
           <a:p>
             <a:fld id="{DAED16D8-1B44-6C4F-A8AE-A919C5BE05BD}" type="datetimeFigureOut">
               <a:rPr lang="en-US" smtClean="0"/>
-              <a:t>2/25/24</a:t>
+              <a:t>2/26/24</a:t>
             </a:fld>
             <a:endParaRPr lang="en-US"/>
           </a:p>
@@ -2098,7 +2100,7 @@
           <a:p>
             <a:fld id="{DAED16D8-1B44-6C4F-A8AE-A919C5BE05BD}" type="datetimeFigureOut">
               <a:rPr lang="en-US" smtClean="0"/>
-              <a:t>2/25/24</a:t>
+              <a:t>2/26/24</a:t>
             </a:fld>
             <a:endParaRPr lang="en-US"/>
           </a:p>
@@ -2409,7 +2411,7 @@
           <a:p>
             <a:fld id="{DAED16D8-1B44-6C4F-A8AE-A919C5BE05BD}" type="datetimeFigureOut">
               <a:rPr lang="en-US" smtClean="0"/>
-              <a:t>2/25/24</a:t>
+              <a:t>2/26/24</a:t>
             </a:fld>
             <a:endParaRPr lang="en-US"/>
           </a:p>
@@ -2697,7 +2699,7 @@
           <a:p>
             <a:fld id="{DAED16D8-1B44-6C4F-A8AE-A919C5BE05BD}" type="datetimeFigureOut">
               <a:rPr lang="en-US" smtClean="0"/>
-              <a:t>2/25/24</a:t>
+              <a:t>2/26/24</a:t>
             </a:fld>
             <a:endParaRPr lang="en-US"/>
           </a:p>
@@ -2938,7 +2940,7 @@
           <a:p>
             <a:fld id="{DAED16D8-1B44-6C4F-A8AE-A919C5BE05BD}" type="datetimeFigureOut">
               <a:rPr lang="en-US" smtClean="0"/>
-              <a:t>2/25/24</a:t>
+              <a:t>2/26/24</a:t>
             </a:fld>
             <a:endParaRPr lang="en-US"/>
           </a:p>
@@ -3455,6 +3457,126 @@
           <p:cNvPr id="2" name="Title 1">
             <a:extLst>
               <a:ext uri="{FF2B5EF4-FFF2-40B4-BE49-F238E27FC236}">
+                <a16:creationId xmlns:a16="http://schemas.microsoft.com/office/drawing/2014/main" id="{130C49BF-BAA9-1941-965E-3E3D34652E71}"/>
+              </a:ext>
+            </a:extLst>
+          </p:cNvPr>
+          <p:cNvSpPr>
+            <a:spLocks noGrp="1"/>
+          </p:cNvSpPr>
+          <p:nvPr>
+            <p:ph type="title"/>
+          </p:nvPr>
+        </p:nvSpPr>
+        <p:spPr/>
+        <p:txBody>
+          <a:bodyPr/>
+          <a:lstStyle/>
+          <a:p>
+            <a:r>
+              <a:rPr lang="en-US" dirty="0"/>
+              <a:t>Demo Shiny App</a:t>
+            </a:r>
+          </a:p>
+        </p:txBody>
+      </p:sp>
+      <p:sp>
+        <p:nvSpPr>
+          <p:cNvPr id="3" name="Content Placeholder 2">
+            <a:extLst>
+              <a:ext uri="{FF2B5EF4-FFF2-40B4-BE49-F238E27FC236}">
+                <a16:creationId xmlns:a16="http://schemas.microsoft.com/office/drawing/2014/main" id="{34E0E2C9-2DEA-DE45-870D-EDFBD513F71B}"/>
+              </a:ext>
+            </a:extLst>
+          </p:cNvPr>
+          <p:cNvSpPr>
+            <a:spLocks noGrp="1"/>
+          </p:cNvSpPr>
+          <p:nvPr>
+            <p:ph idx="1"/>
+          </p:nvPr>
+        </p:nvSpPr>
+        <p:spPr/>
+        <p:txBody>
+          <a:bodyPr/>
+          <a:lstStyle/>
+          <a:p>
+            <a:r>
+              <a:rPr lang="en-US" dirty="0"/>
+              <a:t>Demo a by state comparative analysis of veteran outcomes</a:t>
+            </a:r>
+          </a:p>
+          <a:p>
+            <a:pPr lvl="1"/>
+            <a:r>
+              <a:rPr lang="en-US" dirty="0"/>
+              <a:t>Earnings and labor force participation</a:t>
+            </a:r>
+          </a:p>
+          <a:p>
+            <a:pPr lvl="1"/>
+            <a:r>
+              <a:rPr lang="en-US" dirty="0"/>
+              <a:t>Veterans make up 6% of overall population (2022 numbers)</a:t>
+            </a:r>
+          </a:p>
+          <a:p>
+            <a:pPr lvl="1"/>
+            <a:r>
+              <a:rPr lang="en-US" dirty="0"/>
+              <a:t>Most illustrative: Alaska at 10%, Wyoming and Virginia both around 9%</a:t>
+            </a:r>
+          </a:p>
+          <a:p>
+            <a:pPr lvl="2"/>
+            <a:r>
+              <a:rPr lang="en-US" dirty="0"/>
+              <a:t>California 4.3%, NJ and NY and &lt;4%</a:t>
+            </a:r>
+          </a:p>
+          <a:p>
+            <a:r>
+              <a:rPr lang="en-US" dirty="0"/>
+              <a:t>Other Shiny app looked at by age group, veteran versus non-veteran outcomes (earnings and LFP) between disability levels</a:t>
+            </a:r>
+          </a:p>
+        </p:txBody>
+      </p:sp>
+    </p:spTree>
+    <p:extLst>
+      <p:ext uri="{BB962C8B-B14F-4D97-AF65-F5344CB8AC3E}">
+        <p14:creationId xmlns:p14="http://schemas.microsoft.com/office/powerpoint/2010/main" val="445705008"/>
+      </p:ext>
+    </p:extLst>
+  </p:cSld>
+  <p:clrMapOvr>
+    <a:masterClrMapping/>
+  </p:clrMapOvr>
+</p:sld>
+</file>
+
+<file path=ppt/slides/slide11.xml><?xml version="1.0" encoding="utf-8"?>
+<p:sld xmlns:a="http://schemas.openxmlformats.org/drawingml/2006/main" xmlns:r="http://schemas.openxmlformats.org/officeDocument/2006/relationships" xmlns:p="http://schemas.openxmlformats.org/presentationml/2006/main">
+  <p:cSld>
+    <p:spTree>
+      <p:nvGrpSpPr>
+        <p:cNvPr id="1" name=""/>
+        <p:cNvGrpSpPr/>
+        <p:nvPr/>
+      </p:nvGrpSpPr>
+      <p:grpSpPr>
+        <a:xfrm>
+          <a:off x="0" y="0"/>
+          <a:ext cx="0" cy="0"/>
+          <a:chOff x="0" y="0"/>
+          <a:chExt cx="0" cy="0"/>
+        </a:xfrm>
+      </p:grpSpPr>
+      <p:sp>
+        <p:nvSpPr>
+          <p:cNvPr id="2" name="Title 1">
+            <a:extLst>
+              <a:ext uri="{FF2B5EF4-FFF2-40B4-BE49-F238E27FC236}">
                 <a16:creationId xmlns:a16="http://schemas.microsoft.com/office/drawing/2014/main" id="{D34DC6CE-EF46-B348-AEC2-ECC08265B045}"/>
               </a:ext>
             </a:extLst>
@@ -3472,9 +3594,10 @@
           <a:lstStyle/>
           <a:p>
             <a:r>
-              <a:rPr lang="en-US" dirty="0"/>
+              <a:rPr lang="en-US"/>
               <a:t>Conclusion and Directions for Future Work</a:t>
             </a:r>
+            <a:endParaRPr lang="en-US" dirty="0"/>
           </a:p>
         </p:txBody>
       </p:sp>
@@ -3502,9 +3625,176 @@
         </p:blipFill>
         <p:spPr>
           <a:xfrm>
-            <a:off x="4104314" y="1825625"/>
+            <a:off x="469017" y="1847928"/>
             <a:ext cx="3983372" cy="4351338"/>
           </a:xfrm>
+        </p:spPr>
+      </p:pic>
+      <p:pic>
+        <p:nvPicPr>
+          <p:cNvPr id="1026" name="Picture 2" descr="Order Your Signed Copy Now | Wounding Warriors">
+            <a:extLst>
+              <a:ext uri="{FF2B5EF4-FFF2-40B4-BE49-F238E27FC236}">
+                <a16:creationId xmlns:a16="http://schemas.microsoft.com/office/drawing/2014/main" id="{DAD25CA4-29EE-B842-B8DF-EE0CFD03BF38}"/>
+              </a:ext>
+            </a:extLst>
+          </p:cNvPr>
+          <p:cNvPicPr>
+            <a:picLocks noChangeAspect="1" noChangeArrowheads="1"/>
+          </p:cNvPicPr>
+          <p:nvPr/>
+        </p:nvPicPr>
+        <p:blipFill>
+          <a:blip r:embed="rId3">
+            <a:extLst>
+              <a:ext uri="{28A0092B-C50C-407E-A947-70E740481C1C}">
+                <a14:useLocalDpi xmlns:a14="http://schemas.microsoft.com/office/drawing/2010/main" val="0"/>
+              </a:ext>
+            </a:extLst>
+          </a:blip>
+          <a:srcRect/>
+          <a:stretch>
+            <a:fillRect/>
+          </a:stretch>
+        </p:blipFill>
+        <p:spPr bwMode="auto">
+          <a:xfrm>
+            <a:off x="4202307" y="1449659"/>
+            <a:ext cx="2272336" cy="3238697"/>
+          </a:xfrm>
+          <a:prstGeom prst="rect">
+            <a:avLst/>
+          </a:prstGeom>
+          <a:noFill/>
+          <a:extLst>
+            <a:ext uri="{909E8E84-426E-40DD-AFC4-6F175D3DCCD1}">
+              <a14:hiddenFill xmlns:a14="http://schemas.microsoft.com/office/drawing/2010/main">
+                <a:solidFill>
+                  <a:srgbClr val="FFFFFF"/>
+                </a:solidFill>
+              </a14:hiddenFill>
+            </a:ext>
+          </a:extLst>
+        </p:spPr>
+      </p:pic>
+      <p:pic>
+        <p:nvPicPr>
+          <p:cNvPr id="4" name="Picture 3">
+            <a:extLst>
+              <a:ext uri="{FF2B5EF4-FFF2-40B4-BE49-F238E27FC236}">
+                <a16:creationId xmlns:a16="http://schemas.microsoft.com/office/drawing/2014/main" id="{8B0A1BC7-6FAD-4C4D-BC82-9315B407EEB8}"/>
+              </a:ext>
+            </a:extLst>
+          </p:cNvPr>
+          <p:cNvPicPr>
+            <a:picLocks noChangeAspect="1"/>
+          </p:cNvPicPr>
+          <p:nvPr/>
+        </p:nvPicPr>
+        <p:blipFill>
+          <a:blip r:embed="rId4"/>
+          <a:stretch>
+            <a:fillRect/>
+          </a:stretch>
+        </p:blipFill>
+        <p:spPr>
+          <a:xfrm>
+            <a:off x="4202307" y="5198791"/>
+            <a:ext cx="7899400" cy="419100"/>
+          </a:xfrm>
+          <a:prstGeom prst="rect">
+            <a:avLst/>
+          </a:prstGeom>
+        </p:spPr>
+      </p:pic>
+      <p:pic>
+        <p:nvPicPr>
+          <p:cNvPr id="7" name="Picture 6" descr="A white background with black text&#10;&#10;Description automatically generated">
+            <a:extLst>
+              <a:ext uri="{FF2B5EF4-FFF2-40B4-BE49-F238E27FC236}">
+                <a16:creationId xmlns:a16="http://schemas.microsoft.com/office/drawing/2014/main" id="{3B166B5E-A5BB-DC48-AD96-3C5AE84B6059}"/>
+              </a:ext>
+            </a:extLst>
+          </p:cNvPr>
+          <p:cNvPicPr>
+            <a:picLocks noChangeAspect="1"/>
+          </p:cNvPicPr>
+          <p:nvPr/>
+        </p:nvPicPr>
+        <p:blipFill>
+          <a:blip r:embed="rId5"/>
+          <a:stretch>
+            <a:fillRect/>
+          </a:stretch>
+        </p:blipFill>
+        <p:spPr>
+          <a:xfrm>
+            <a:off x="5531780" y="5547025"/>
+            <a:ext cx="5490535" cy="1162602"/>
+          </a:xfrm>
+          <a:prstGeom prst="rect">
+            <a:avLst/>
+          </a:prstGeom>
+        </p:spPr>
+      </p:pic>
+      <p:pic>
+        <p:nvPicPr>
+          <p:cNvPr id="9" name="Picture 8">
+            <a:extLst>
+              <a:ext uri="{FF2B5EF4-FFF2-40B4-BE49-F238E27FC236}">
+                <a16:creationId xmlns:a16="http://schemas.microsoft.com/office/drawing/2014/main" id="{FB7551A3-8272-F849-AA45-CBF578F74254}"/>
+              </a:ext>
+            </a:extLst>
+          </p:cNvPr>
+          <p:cNvPicPr>
+            <a:picLocks noChangeAspect="1"/>
+          </p:cNvPicPr>
+          <p:nvPr/>
+        </p:nvPicPr>
+        <p:blipFill>
+          <a:blip r:embed="rId6"/>
+          <a:stretch>
+            <a:fillRect/>
+          </a:stretch>
+        </p:blipFill>
+        <p:spPr>
+          <a:xfrm>
+            <a:off x="6569927" y="3552604"/>
+            <a:ext cx="5531780" cy="1390970"/>
+          </a:xfrm>
+          <a:prstGeom prst="rect">
+            <a:avLst/>
+          </a:prstGeom>
+        </p:spPr>
+      </p:pic>
+      <p:pic>
+        <p:nvPicPr>
+          <p:cNvPr id="11" name="Picture 10">
+            <a:extLst>
+              <a:ext uri="{FF2B5EF4-FFF2-40B4-BE49-F238E27FC236}">
+                <a16:creationId xmlns:a16="http://schemas.microsoft.com/office/drawing/2014/main" id="{3CF1C6DA-7914-5146-AE27-A2B7EDA97CA8}"/>
+              </a:ext>
+            </a:extLst>
+          </p:cNvPr>
+          <p:cNvPicPr>
+            <a:picLocks noChangeAspect="1"/>
+          </p:cNvPicPr>
+          <p:nvPr/>
+        </p:nvPicPr>
+        <p:blipFill>
+          <a:blip r:embed="rId7"/>
+          <a:stretch>
+            <a:fillRect/>
+          </a:stretch>
+        </p:blipFill>
+        <p:spPr>
+          <a:xfrm>
+            <a:off x="6474644" y="1690688"/>
+            <a:ext cx="5121880" cy="1495098"/>
+          </a:xfrm>
+          <a:prstGeom prst="rect">
+            <a:avLst/>
+          </a:prstGeom>
         </p:spPr>
       </p:pic>
     </p:spTree>
@@ -3520,7 +3810,7 @@
 </p:sld>
 </file>
 
-<file path=ppt/slides/slide11.xml><?xml version="1.0" encoding="utf-8"?>
+<file path=ppt/slides/slide12.xml><?xml version="1.0" encoding="utf-8"?>
 <p:sld xmlns:a="http://schemas.openxmlformats.org/drawingml/2006/main" xmlns:r="http://schemas.openxmlformats.org/officeDocument/2006/relationships" xmlns:p="http://schemas.openxmlformats.org/presentationml/2006/main">
   <p:cSld>
     <p:spTree>
@@ -3669,10 +3959,47 @@
         </p:nvSpPr>
         <p:spPr/>
         <p:txBody>
-          <a:bodyPr/>
-          <a:lstStyle/>
-          <a:p>
-            <a:endParaRPr lang="en-US"/>
+          <a:bodyPr>
+            <a:normAutofit lnSpcReduction="10000"/>
+          </a:bodyPr>
+          <a:lstStyle/>
+          <a:p>
+            <a:r>
+              <a:rPr lang="en-US" dirty="0"/>
+              <a:t>In FY22, $125B spent on disability payments to 5.3M veterans (about a third of all living veterans), more than is spent on healthcare</a:t>
+            </a:r>
+          </a:p>
+          <a:p>
+            <a:pPr lvl="1"/>
+            <a:r>
+              <a:rPr lang="en-US" dirty="0"/>
+              <a:t>Average is $20k/person. We pay veterans to be unhealthy, not healthy </a:t>
+            </a:r>
+          </a:p>
+          <a:p>
+            <a:r>
+              <a:rPr lang="en-US" dirty="0"/>
+              <a:t>The money is supposed to correspond to the severity of service-connected conditions, and average earnings loss expected as a result of these conditions</a:t>
+            </a:r>
+          </a:p>
+          <a:p>
+            <a:pPr lvl="1"/>
+            <a:r>
+              <a:rPr lang="en-US" dirty="0"/>
+              <a:t>Ranges from 0% to 30% for bad knees, to 100% for loss of limb(s)</a:t>
+            </a:r>
+          </a:p>
+          <a:p>
+            <a:r>
+              <a:rPr lang="en-US" dirty="0"/>
+              <a:t>Culture of “get what I am owed” – but how much, truly, are you owed?</a:t>
+            </a:r>
+          </a:p>
+          <a:p>
+            <a:r>
+              <a:rPr lang="en-US" dirty="0"/>
+              <a:t>CBO 2022 report suggesting means testing these benefits for households earning more than $170k</a:t>
+            </a:r>
           </a:p>
         </p:txBody>
       </p:sp>
@@ -3706,59 +4033,259 @@
           <a:chExt cx="0" cy="0"/>
         </a:xfrm>
       </p:grpSpPr>
-      <p:sp>
-        <p:nvSpPr>
-          <p:cNvPr id="2" name="Title 1">
-            <a:extLst>
-              <a:ext uri="{FF2B5EF4-FFF2-40B4-BE49-F238E27FC236}">
-                <a16:creationId xmlns:a16="http://schemas.microsoft.com/office/drawing/2014/main" id="{CF047F72-2A19-CA4D-88F5-6A4D10417DA5}"/>
-              </a:ext>
-            </a:extLst>
-          </p:cNvPr>
-          <p:cNvSpPr>
-            <a:spLocks noGrp="1"/>
-          </p:cNvSpPr>
-          <p:nvPr>
-            <p:ph type="title"/>
-          </p:nvPr>
-        </p:nvSpPr>
-        <p:spPr/>
-        <p:txBody>
-          <a:bodyPr/>
-          <a:lstStyle/>
-          <a:p>
-            <a:r>
-              <a:rPr lang="en-US" dirty="0"/>
-              <a:t>Research Question</a:t>
-            </a:r>
-          </a:p>
-        </p:txBody>
-      </p:sp>
-      <p:sp>
-        <p:nvSpPr>
-          <p:cNvPr id="3" name="Content Placeholder 2">
-            <a:extLst>
-              <a:ext uri="{FF2B5EF4-FFF2-40B4-BE49-F238E27FC236}">
-                <a16:creationId xmlns:a16="http://schemas.microsoft.com/office/drawing/2014/main" id="{511F5E8F-2427-6049-89E9-B342B5D2CE40}"/>
-              </a:ext>
-            </a:extLst>
-          </p:cNvPr>
-          <p:cNvSpPr>
-            <a:spLocks noGrp="1"/>
-          </p:cNvSpPr>
-          <p:nvPr>
-            <p:ph idx="1"/>
-          </p:nvPr>
-        </p:nvSpPr>
-        <p:spPr/>
-        <p:txBody>
-          <a:bodyPr/>
-          <a:lstStyle/>
-          <a:p>
-            <a:endParaRPr lang="en-US" dirty="0"/>
-          </a:p>
-        </p:txBody>
-      </p:sp>
+      <p:pic>
+        <p:nvPicPr>
+          <p:cNvPr id="5" name="Content Placeholder 4" descr="A white background with black text&#10;&#10;Description automatically generated">
+            <a:extLst>
+              <a:ext uri="{FF2B5EF4-FFF2-40B4-BE49-F238E27FC236}">
+                <a16:creationId xmlns:a16="http://schemas.microsoft.com/office/drawing/2014/main" id="{A9248F3E-0F13-6C46-BC6F-1213710F1996}"/>
+              </a:ext>
+            </a:extLst>
+          </p:cNvPr>
+          <p:cNvPicPr>
+            <a:picLocks noGrp="1" noChangeAspect="1"/>
+          </p:cNvPicPr>
+          <p:nvPr>
+            <p:ph idx="4294967295"/>
+          </p:nvPr>
+        </p:nvPicPr>
+        <p:blipFill rotWithShape="1">
+          <a:blip r:embed="rId2"/>
+          <a:srcRect t="3528" b="17734"/>
+          <a:stretch/>
+        </p:blipFill>
+        <p:spPr>
+          <a:xfrm>
+            <a:off x="5275263" y="4826000"/>
+            <a:ext cx="6916737" cy="769938"/>
+          </a:xfrm>
+        </p:spPr>
+      </p:pic>
+      <p:pic>
+        <p:nvPicPr>
+          <p:cNvPr id="7" name="Picture 6" descr="A white background with black text&#10;&#10;Description automatically generated">
+            <a:extLst>
+              <a:ext uri="{FF2B5EF4-FFF2-40B4-BE49-F238E27FC236}">
+                <a16:creationId xmlns:a16="http://schemas.microsoft.com/office/drawing/2014/main" id="{44FC6BDD-1CB5-3445-A21C-CB7735571A3B}"/>
+              </a:ext>
+            </a:extLst>
+          </p:cNvPr>
+          <p:cNvPicPr>
+            <a:picLocks noChangeAspect="1"/>
+          </p:cNvPicPr>
+          <p:nvPr/>
+        </p:nvPicPr>
+        <p:blipFill>
+          <a:blip r:embed="rId3"/>
+          <a:stretch>
+            <a:fillRect/>
+          </a:stretch>
+        </p:blipFill>
+        <p:spPr>
+          <a:xfrm>
+            <a:off x="5790462" y="5738394"/>
+            <a:ext cx="6157632" cy="1092913"/>
+          </a:xfrm>
+          <a:prstGeom prst="rect">
+            <a:avLst/>
+          </a:prstGeom>
+        </p:spPr>
+      </p:pic>
+      <p:pic>
+        <p:nvPicPr>
+          <p:cNvPr id="2050" name="Picture 2" descr="Vet with a Sign - Zach Bell">
+            <a:extLst>
+              <a:ext uri="{FF2B5EF4-FFF2-40B4-BE49-F238E27FC236}">
+                <a16:creationId xmlns:a16="http://schemas.microsoft.com/office/drawing/2014/main" id="{212EFCD8-263F-AF47-B50B-482311413162}"/>
+              </a:ext>
+            </a:extLst>
+          </p:cNvPr>
+          <p:cNvPicPr>
+            <a:picLocks noChangeAspect="1" noChangeArrowheads="1"/>
+          </p:cNvPicPr>
+          <p:nvPr/>
+        </p:nvPicPr>
+        <p:blipFill rotWithShape="1">
+          <a:blip r:embed="rId4">
+            <a:extLst>
+              <a:ext uri="{28A0092B-C50C-407E-A947-70E740481C1C}">
+                <a14:useLocalDpi xmlns:a14="http://schemas.microsoft.com/office/drawing/2010/main" val="0"/>
+              </a:ext>
+            </a:extLst>
+          </a:blip>
+          <a:srcRect b="16098"/>
+          <a:stretch/>
+        </p:blipFill>
+        <p:spPr bwMode="auto">
+          <a:xfrm>
+            <a:off x="8592631" y="110313"/>
+            <a:ext cx="3412097" cy="3264899"/>
+          </a:xfrm>
+          <a:prstGeom prst="rect">
+            <a:avLst/>
+          </a:prstGeom>
+          <a:noFill/>
+          <a:extLst>
+            <a:ext uri="{909E8E84-426E-40DD-AFC4-6F175D3DCCD1}">
+              <a14:hiddenFill xmlns:a14="http://schemas.microsoft.com/office/drawing/2010/main">
+                <a:solidFill>
+                  <a:srgbClr val="FFFFFF"/>
+                </a:solidFill>
+              </a14:hiddenFill>
+            </a:ext>
+          </a:extLst>
+        </p:spPr>
+      </p:pic>
+      <p:pic>
+        <p:nvPicPr>
+          <p:cNvPr id="9" name="Picture 8" descr="A close up of a text&#10;&#10;Description automatically generated">
+            <a:extLst>
+              <a:ext uri="{FF2B5EF4-FFF2-40B4-BE49-F238E27FC236}">
+                <a16:creationId xmlns:a16="http://schemas.microsoft.com/office/drawing/2014/main" id="{652BE1B3-5114-4540-BBBB-62AC13F32C39}"/>
+              </a:ext>
+            </a:extLst>
+          </p:cNvPr>
+          <p:cNvPicPr>
+            <a:picLocks noChangeAspect="1"/>
+          </p:cNvPicPr>
+          <p:nvPr/>
+        </p:nvPicPr>
+        <p:blipFill>
+          <a:blip r:embed="rId5"/>
+          <a:stretch>
+            <a:fillRect/>
+          </a:stretch>
+        </p:blipFill>
+        <p:spPr>
+          <a:xfrm>
+            <a:off x="246272" y="2004788"/>
+            <a:ext cx="4853524" cy="1432187"/>
+          </a:xfrm>
+          <a:prstGeom prst="rect">
+            <a:avLst/>
+          </a:prstGeom>
+        </p:spPr>
+      </p:pic>
+      <p:pic>
+        <p:nvPicPr>
+          <p:cNvPr id="11" name="Picture 10" descr="A close-up of a logo&#10;&#10;Description automatically generated">
+            <a:extLst>
+              <a:ext uri="{FF2B5EF4-FFF2-40B4-BE49-F238E27FC236}">
+                <a16:creationId xmlns:a16="http://schemas.microsoft.com/office/drawing/2014/main" id="{E55BC9CF-CD0C-6848-8215-99A65673EC88}"/>
+              </a:ext>
+            </a:extLst>
+          </p:cNvPr>
+          <p:cNvPicPr>
+            <a:picLocks noChangeAspect="1"/>
+          </p:cNvPicPr>
+          <p:nvPr/>
+        </p:nvPicPr>
+        <p:blipFill>
+          <a:blip r:embed="rId6"/>
+          <a:stretch>
+            <a:fillRect/>
+          </a:stretch>
+        </p:blipFill>
+        <p:spPr>
+          <a:xfrm>
+            <a:off x="63412" y="513737"/>
+            <a:ext cx="4797582" cy="1257094"/>
+          </a:xfrm>
+          <a:prstGeom prst="rect">
+            <a:avLst/>
+          </a:prstGeom>
+        </p:spPr>
+      </p:pic>
+      <p:pic>
+        <p:nvPicPr>
+          <p:cNvPr id="13" name="Picture 12" descr="A screenshot of a document&#10;&#10;Description automatically generated">
+            <a:extLst>
+              <a:ext uri="{FF2B5EF4-FFF2-40B4-BE49-F238E27FC236}">
+                <a16:creationId xmlns:a16="http://schemas.microsoft.com/office/drawing/2014/main" id="{A85A2891-A895-B949-AE25-14E66D7DB0D0}"/>
+              </a:ext>
+            </a:extLst>
+          </p:cNvPr>
+          <p:cNvPicPr>
+            <a:picLocks noChangeAspect="1"/>
+          </p:cNvPicPr>
+          <p:nvPr/>
+        </p:nvPicPr>
+        <p:blipFill>
+          <a:blip r:embed="rId7"/>
+          <a:stretch>
+            <a:fillRect/>
+          </a:stretch>
+        </p:blipFill>
+        <p:spPr>
+          <a:xfrm>
+            <a:off x="356672" y="3720565"/>
+            <a:ext cx="4170009" cy="2741199"/>
+          </a:xfrm>
+          <a:prstGeom prst="rect">
+            <a:avLst/>
+          </a:prstGeom>
+        </p:spPr>
+      </p:pic>
+      <p:pic>
+        <p:nvPicPr>
+          <p:cNvPr id="15" name="Picture 14" descr="A black text on a white background&#10;&#10;Description automatically generated">
+            <a:extLst>
+              <a:ext uri="{FF2B5EF4-FFF2-40B4-BE49-F238E27FC236}">
+                <a16:creationId xmlns:a16="http://schemas.microsoft.com/office/drawing/2014/main" id="{482FDC5E-DC5A-6D44-9E6E-7EEC8376791A}"/>
+              </a:ext>
+            </a:extLst>
+          </p:cNvPr>
+          <p:cNvPicPr>
+            <a:picLocks noChangeAspect="1"/>
+          </p:cNvPicPr>
+          <p:nvPr/>
+        </p:nvPicPr>
+        <p:blipFill>
+          <a:blip r:embed="rId8"/>
+          <a:stretch>
+            <a:fillRect/>
+          </a:stretch>
+        </p:blipFill>
+        <p:spPr>
+          <a:xfrm>
+            <a:off x="8834718" y="3721439"/>
+            <a:ext cx="3157820" cy="692181"/>
+          </a:xfrm>
+          <a:prstGeom prst="rect">
+            <a:avLst/>
+          </a:prstGeom>
+        </p:spPr>
+      </p:pic>
+      <p:pic>
+        <p:nvPicPr>
+          <p:cNvPr id="19" name="Picture 18" descr="A screenshot of a search engine&#10;&#10;Description automatically generated">
+            <a:extLst>
+              <a:ext uri="{FF2B5EF4-FFF2-40B4-BE49-F238E27FC236}">
+                <a16:creationId xmlns:a16="http://schemas.microsoft.com/office/drawing/2014/main" id="{B5EDB7D8-A988-2247-AD74-2ABA52CDB21C}"/>
+              </a:ext>
+            </a:extLst>
+          </p:cNvPr>
+          <p:cNvPicPr>
+            <a:picLocks noChangeAspect="1"/>
+          </p:cNvPicPr>
+          <p:nvPr/>
+        </p:nvPicPr>
+        <p:blipFill>
+          <a:blip r:embed="rId9"/>
+          <a:stretch>
+            <a:fillRect/>
+          </a:stretch>
+        </p:blipFill>
+        <p:spPr>
+          <a:xfrm>
+            <a:off x="4847049" y="680795"/>
+            <a:ext cx="3745582" cy="3939015"/>
+          </a:xfrm>
+          <a:prstGeom prst="rect">
+            <a:avLst/>
+          </a:prstGeom>
+        </p:spPr>
+      </p:pic>
     </p:spTree>
     <p:extLst>
       <p:ext uri="{BB962C8B-B14F-4D97-AF65-F5344CB8AC3E}">
@@ -3794,7 +4321,7 @@
           <p:cNvPr id="2" name="Title 1">
             <a:extLst>
               <a:ext uri="{FF2B5EF4-FFF2-40B4-BE49-F238E27FC236}">
-                <a16:creationId xmlns:a16="http://schemas.microsoft.com/office/drawing/2014/main" id="{93083394-B3B2-6140-BC0C-1311BBF03F61}"/>
+                <a16:creationId xmlns:a16="http://schemas.microsoft.com/office/drawing/2014/main" id="{CF047F72-2A19-CA4D-88F5-6A4D10417DA5}"/>
               </a:ext>
             </a:extLst>
           </p:cNvPr>
@@ -3812,17 +4339,17 @@
           <a:p>
             <a:r>
               <a:rPr lang="en-US" dirty="0"/>
-              <a:t>Where I Got the Data</a:t>
-            </a:r>
-          </a:p>
-        </p:txBody>
-      </p:sp>
-      <p:sp>
-        <p:nvSpPr>
-          <p:cNvPr id="3" name="Content Placeholder 2">
-            <a:extLst>
-              <a:ext uri="{FF2B5EF4-FFF2-40B4-BE49-F238E27FC236}">
-                <a16:creationId xmlns:a16="http://schemas.microsoft.com/office/drawing/2014/main" id="{BC8558A9-F85A-5245-B62F-75476372AE95}"/>
+              <a:t>Research Question</a:t>
+            </a:r>
+          </a:p>
+        </p:txBody>
+      </p:sp>
+      <p:sp>
+        <p:nvSpPr>
+          <p:cNvPr id="4" name="Content Placeholder 3">
+            <a:extLst>
+              <a:ext uri="{FF2B5EF4-FFF2-40B4-BE49-F238E27FC236}">
+                <a16:creationId xmlns:a16="http://schemas.microsoft.com/office/drawing/2014/main" id="{DD1D46DA-57BC-6546-831C-11D3E471406A}"/>
               </a:ext>
             </a:extLst>
           </p:cNvPr>
@@ -3835,17 +4362,55 @@
         </p:nvSpPr>
         <p:spPr/>
         <p:txBody>
-          <a:bodyPr/>
-          <a:lstStyle/>
-          <a:p>
-            <a:endParaRPr lang="en-US"/>
+          <a:bodyPr>
+            <a:normAutofit lnSpcReduction="10000"/>
+          </a:bodyPr>
+          <a:lstStyle/>
+          <a:p>
+            <a:r>
+              <a:rPr lang="en-US" dirty="0"/>
+              <a:t>Rating of 10-20% earn about the same as veterans with no rating</a:t>
+            </a:r>
+          </a:p>
+          <a:p>
+            <a:r>
+              <a:rPr lang="en-US" dirty="0"/>
+              <a:t>30-60% earn slightly less, 70+% earned much less,</a:t>
+            </a:r>
+          </a:p>
+          <a:p>
+            <a:r>
+              <a:rPr lang="en-US" dirty="0"/>
+              <a:t>Does a high rating mean they can’t work, or have enough benefits not to?</a:t>
+            </a:r>
+          </a:p>
+          <a:p>
+            <a:r>
+              <a:rPr lang="en-US" dirty="0"/>
+              <a:t>How much of this is deterministic? Slightly outside my scope </a:t>
+            </a:r>
+            <a:r>
+              <a:rPr lang="en-US" dirty="0">
+                <a:sym typeface="Wingdings" pitchFamily="2" charset="2"/>
+              </a:rPr>
+              <a:t></a:t>
+            </a:r>
+          </a:p>
+          <a:p>
+            <a:r>
+              <a:rPr lang="en-US" dirty="0">
+                <a:sym typeface="Wingdings" pitchFamily="2" charset="2"/>
+              </a:rPr>
+              <a:t>But, I wanted to explore the effects of receiving disability payments on income and LFP compared to non-veteran population on my own, as well as on a by-state basis, as I find it interesting how many areas of the country contribute or don’t contribute servicemembers, and who returns to their home state post-service to contribute (or not)</a:t>
+            </a:r>
+            <a:endParaRPr lang="en-US" dirty="0"/>
           </a:p>
         </p:txBody>
       </p:sp>
     </p:spTree>
     <p:extLst>
       <p:ext uri="{BB962C8B-B14F-4D97-AF65-F5344CB8AC3E}">
-        <p14:creationId xmlns:p14="http://schemas.microsoft.com/office/powerpoint/2010/main" val="3899003255"/>
+        <p14:creationId xmlns:p14="http://schemas.microsoft.com/office/powerpoint/2010/main" val="3567595285"/>
       </p:ext>
     </p:extLst>
   </p:cSld>
@@ -3877,7 +4442,7 @@
           <p:cNvPr id="2" name="Title 1">
             <a:extLst>
               <a:ext uri="{FF2B5EF4-FFF2-40B4-BE49-F238E27FC236}">
-                <a16:creationId xmlns:a16="http://schemas.microsoft.com/office/drawing/2014/main" id="{A9FBA703-7534-0C4B-8C56-B4D098DC277E}"/>
+                <a16:creationId xmlns:a16="http://schemas.microsoft.com/office/drawing/2014/main" id="{93083394-B3B2-6140-BC0C-1311BBF03F61}"/>
               </a:ext>
             </a:extLst>
           </p:cNvPr>
@@ -3895,7 +4460,7 @@
           <a:p>
             <a:r>
               <a:rPr lang="en-US" dirty="0"/>
-              <a:t>Methods Used</a:t>
+              <a:t>Data Sources</a:t>
             </a:r>
           </a:p>
         </p:txBody>
@@ -3905,7 +4470,7 @@
           <p:cNvPr id="3" name="Content Placeholder 2">
             <a:extLst>
               <a:ext uri="{FF2B5EF4-FFF2-40B4-BE49-F238E27FC236}">
-                <a16:creationId xmlns:a16="http://schemas.microsoft.com/office/drawing/2014/main" id="{59376B45-D12F-D94C-9A16-674AB146D497}"/>
+                <a16:creationId xmlns:a16="http://schemas.microsoft.com/office/drawing/2014/main" id="{BC8558A9-F85A-5245-B62F-75476372AE95}"/>
               </a:ext>
             </a:extLst>
           </p:cNvPr>
@@ -3921,14 +4486,64 @@
           <a:bodyPr/>
           <a:lstStyle/>
           <a:p>
-            <a:endParaRPr lang="en-US"/>
+            <a:r>
+              <a:rPr lang="en-US" dirty="0"/>
+              <a:t>1) IPUMS</a:t>
+            </a:r>
+          </a:p>
+          <a:p>
+            <a:pPr lvl="1"/>
+            <a:r>
+              <a:rPr lang="en-US" dirty="0"/>
+              <a:t>2011 and 2016 ACS results</a:t>
+            </a:r>
+          </a:p>
+          <a:p>
+            <a:pPr lvl="1"/>
+            <a:r>
+              <a:rPr lang="en-US" dirty="0"/>
+              <a:t>STATE, AGE, LABFORCE, INCTOT, INCWAGE, VETDISAB, VETSTAT</a:t>
+            </a:r>
+          </a:p>
+          <a:p>
+            <a:r>
+              <a:rPr lang="en-US" dirty="0"/>
+              <a:t>2) IPUMS CPS Veterans Supplement</a:t>
+            </a:r>
+          </a:p>
+          <a:p>
+            <a:pPr lvl="1"/>
+            <a:r>
+              <a:rPr lang="en-US" dirty="0"/>
+              <a:t>2021 and 2022 (regular IPUMS surprisingly more comprehensive than Veterans Supplement)</a:t>
+            </a:r>
+          </a:p>
+          <a:p>
+            <a:pPr lvl="1"/>
+            <a:r>
+              <a:rPr lang="en-US" dirty="0"/>
+              <a:t>STATE, HHINCOME, FAMINC, AGE, VETSTAT, LABFORCE</a:t>
+            </a:r>
+          </a:p>
+          <a:p>
+            <a:r>
+              <a:rPr lang="en-US" dirty="0"/>
+              <a:t>3) Top five Google searches for ”CBO means testing VA disability”</a:t>
+            </a:r>
+          </a:p>
+          <a:p>
+            <a:pPr lvl="1"/>
+            <a:r>
+              <a:rPr lang="en-US" dirty="0"/>
+              <a:t>Law firms, veteran groups and advocates, blogs and nonprofits</a:t>
+            </a:r>
           </a:p>
         </p:txBody>
       </p:sp>
     </p:spTree>
     <p:extLst>
       <p:ext uri="{BB962C8B-B14F-4D97-AF65-F5344CB8AC3E}">
-        <p14:creationId xmlns:p14="http://schemas.microsoft.com/office/powerpoint/2010/main" val="1379558980"/>
+        <p14:creationId xmlns:p14="http://schemas.microsoft.com/office/powerpoint/2010/main" val="3899003255"/>
       </p:ext>
     </p:extLst>
   </p:cSld>
@@ -3960,7 +4575,7 @@
           <p:cNvPr id="2" name="Title 1">
             <a:extLst>
               <a:ext uri="{FF2B5EF4-FFF2-40B4-BE49-F238E27FC236}">
-                <a16:creationId xmlns:a16="http://schemas.microsoft.com/office/drawing/2014/main" id="{FD3232A3-61B3-CF42-8CE8-FFEFD88E29B9}"/>
+                <a16:creationId xmlns:a16="http://schemas.microsoft.com/office/drawing/2014/main" id="{A9FBA703-7534-0C4B-8C56-B4D098DC277E}"/>
               </a:ext>
             </a:extLst>
           </p:cNvPr>
@@ -3978,7 +4593,7 @@
           <a:p>
             <a:r>
               <a:rPr lang="en-US" dirty="0"/>
-              <a:t>Discussion of Figures Part 1/3</a:t>
+              <a:t>Methods</a:t>
             </a:r>
           </a:p>
         </p:txBody>
@@ -3988,7 +4603,7 @@
           <p:cNvPr id="3" name="Content Placeholder 2">
             <a:extLst>
               <a:ext uri="{FF2B5EF4-FFF2-40B4-BE49-F238E27FC236}">
-                <a16:creationId xmlns:a16="http://schemas.microsoft.com/office/drawing/2014/main" id="{736B471A-CDAE-C64B-AFA9-8827C6C11813}"/>
+                <a16:creationId xmlns:a16="http://schemas.microsoft.com/office/drawing/2014/main" id="{59376B45-D12F-D94C-9A16-674AB146D497}"/>
               </a:ext>
             </a:extLst>
           </p:cNvPr>
@@ -3999,19 +4614,112 @@
             <p:ph idx="1"/>
           </p:nvPr>
         </p:nvSpPr>
-        <p:spPr/>
-        <p:txBody>
-          <a:bodyPr/>
-          <a:lstStyle/>
-          <a:p>
-            <a:endParaRPr lang="en-US"/>
+        <p:spPr>
+          <a:xfrm>
+            <a:off x="838199" y="1825625"/>
+            <a:ext cx="10860741" cy="4351338"/>
+          </a:xfrm>
+        </p:spPr>
+        <p:txBody>
+          <a:bodyPr>
+            <a:normAutofit fontScale="92500" lnSpcReduction="20000"/>
+          </a:bodyPr>
+          <a:lstStyle/>
+          <a:p>
+            <a:r>
+              <a:rPr lang="en-US" dirty="0"/>
+              <a:t>Cleaned both IPUMS data sources</a:t>
+            </a:r>
+          </a:p>
+          <a:p>
+            <a:pPr lvl="1"/>
+            <a:r>
+              <a:rPr lang="en-US" dirty="0"/>
+              <a:t>Transformed STATEFIP into named states</a:t>
+            </a:r>
+          </a:p>
+          <a:p>
+            <a:pPr lvl="1"/>
+            <a:r>
+              <a:rPr lang="en-US" dirty="0"/>
+              <a:t>Produced age groups by age</a:t>
+            </a:r>
+          </a:p>
+          <a:p>
+            <a:pPr lvl="1"/>
+            <a:r>
+              <a:rPr lang="en-US" dirty="0"/>
+              <a:t>Produced a disability rating grouping from VETDISAB</a:t>
+            </a:r>
+          </a:p>
+          <a:p>
+            <a:pPr lvl="2"/>
+            <a:r>
+              <a:rPr lang="en-US" dirty="0"/>
+              <a:t>N/A, no rating, 1-60%, 70+%</a:t>
+            </a:r>
+          </a:p>
+          <a:p>
+            <a:pPr lvl="1"/>
+            <a:r>
+              <a:rPr lang="en-US" dirty="0"/>
+              <a:t>Produced variables to make plots</a:t>
+            </a:r>
+          </a:p>
+          <a:p>
+            <a:pPr lvl="2"/>
+            <a:r>
+              <a:rPr lang="en-US" dirty="0" err="1"/>
+              <a:t>lfp_by_age_vet</a:t>
+            </a:r>
+            <a:r>
+              <a:rPr lang="en-US" dirty="0"/>
+              <a:t>, </a:t>
+            </a:r>
+            <a:r>
+              <a:rPr lang="en-US" dirty="0" err="1"/>
+              <a:t>veterans_data</a:t>
+            </a:r>
+            <a:r>
+              <a:rPr lang="en-US" dirty="0"/>
+              <a:t>, </a:t>
+            </a:r>
+            <a:r>
+              <a:rPr lang="en-US" dirty="0" err="1"/>
+              <a:t>etc</a:t>
+            </a:r>
+            <a:endParaRPr lang="en-US" dirty="0"/>
+          </a:p>
+          <a:p>
+            <a:r>
+              <a:rPr lang="en-US" dirty="0"/>
+              <a:t>Scraped article text content through CSS selectors (could expand further)</a:t>
+            </a:r>
+          </a:p>
+          <a:p>
+            <a:r>
+              <a:rPr lang="en-US" dirty="0"/>
+              <a:t>Visualized basic data trends, decided to focus on LFP by age group and veteran status, then expand to see how disability rating impacts</a:t>
+            </a:r>
+          </a:p>
+          <a:p>
+            <a:r>
+              <a:rPr lang="en-US" dirty="0"/>
+              <a:t>Then evaluated income differences by veteran status by state</a:t>
+            </a:r>
+          </a:p>
+          <a:p>
+            <a:r>
+              <a:rPr lang="en-US" dirty="0"/>
+              <a:t>Evaluated sentiment analysis around web results surrounding means testing</a:t>
+            </a:r>
           </a:p>
         </p:txBody>
       </p:sp>
     </p:spTree>
     <p:extLst>
       <p:ext uri="{BB962C8B-B14F-4D97-AF65-F5344CB8AC3E}">
-        <p14:creationId xmlns:p14="http://schemas.microsoft.com/office/powerpoint/2010/main" val="3861457290"/>
+        <p14:creationId xmlns:p14="http://schemas.microsoft.com/office/powerpoint/2010/main" val="1379558980"/>
       </p:ext>
     </p:extLst>
   </p:cSld>
@@ -4043,7 +4751,7 @@
           <p:cNvPr id="2" name="Title 1">
             <a:extLst>
               <a:ext uri="{FF2B5EF4-FFF2-40B4-BE49-F238E27FC236}">
-                <a16:creationId xmlns:a16="http://schemas.microsoft.com/office/drawing/2014/main" id="{C35D9A9D-34BE-9C45-AE1B-FED5240DF3D4}"/>
+                <a16:creationId xmlns:a16="http://schemas.microsoft.com/office/drawing/2014/main" id="{FD3232A3-61B3-CF42-8CE8-FFEFD88E29B9}"/>
               </a:ext>
             </a:extLst>
           </p:cNvPr>
@@ -4061,40 +4769,44 @@
           <a:p>
             <a:r>
               <a:rPr lang="en-US" dirty="0"/>
-              <a:t>Regression Model</a:t>
-            </a:r>
-          </a:p>
-        </p:txBody>
-      </p:sp>
-      <p:sp>
-        <p:nvSpPr>
-          <p:cNvPr id="3" name="Content Placeholder 2">
-            <a:extLst>
-              <a:ext uri="{FF2B5EF4-FFF2-40B4-BE49-F238E27FC236}">
-                <a16:creationId xmlns:a16="http://schemas.microsoft.com/office/drawing/2014/main" id="{4B427EE5-EF1D-2842-AB28-5E5D74C62E49}"/>
-              </a:ext>
-            </a:extLst>
-          </p:cNvPr>
-          <p:cNvSpPr>
-            <a:spLocks noGrp="1"/>
-          </p:cNvSpPr>
+              <a:t>Discussion of Figures (1/2)</a:t>
+            </a:r>
+          </a:p>
+        </p:txBody>
+      </p:sp>
+      <p:pic>
+        <p:nvPicPr>
+          <p:cNvPr id="5" name="Content Placeholder 4" descr="A graph with different colored bars&#10;&#10;Description automatically generated">
+            <a:extLst>
+              <a:ext uri="{FF2B5EF4-FFF2-40B4-BE49-F238E27FC236}">
+                <a16:creationId xmlns:a16="http://schemas.microsoft.com/office/drawing/2014/main" id="{F3CD8A97-6F52-8B45-B8F0-45E5EF7760C3}"/>
+              </a:ext>
+            </a:extLst>
+          </p:cNvPr>
+          <p:cNvPicPr>
+            <a:picLocks noGrp="1" noChangeAspect="1"/>
+          </p:cNvPicPr>
           <p:nvPr>
             <p:ph idx="1"/>
           </p:nvPr>
-        </p:nvSpPr>
-        <p:spPr/>
-        <p:txBody>
-          <a:bodyPr/>
-          <a:lstStyle/>
-          <a:p>
-            <a:endParaRPr lang="en-US"/>
-          </a:p>
-        </p:txBody>
-      </p:sp>
+        </p:nvPicPr>
+        <p:blipFill>
+          <a:blip r:embed="rId2"/>
+          <a:stretch>
+            <a:fillRect/>
+          </a:stretch>
+        </p:blipFill>
+        <p:spPr>
+          <a:xfrm>
+            <a:off x="2775265" y="1344706"/>
+            <a:ext cx="6960406" cy="5568325"/>
+          </a:xfrm>
+        </p:spPr>
+      </p:pic>
     </p:spTree>
     <p:extLst>
       <p:ext uri="{BB962C8B-B14F-4D97-AF65-F5344CB8AC3E}">
-        <p14:creationId xmlns:p14="http://schemas.microsoft.com/office/powerpoint/2010/main" val="314626180"/>
+        <p14:creationId xmlns:p14="http://schemas.microsoft.com/office/powerpoint/2010/main" val="1981199925"/>
       </p:ext>
     </p:extLst>
   </p:cSld>
@@ -4126,7 +4838,7 @@
           <p:cNvPr id="2" name="Title 1">
             <a:extLst>
               <a:ext uri="{FF2B5EF4-FFF2-40B4-BE49-F238E27FC236}">
-                <a16:creationId xmlns:a16="http://schemas.microsoft.com/office/drawing/2014/main" id="{130C49BF-BAA9-1941-965E-3E3D34652E71}"/>
+                <a16:creationId xmlns:a16="http://schemas.microsoft.com/office/drawing/2014/main" id="{FD3232A3-61B3-CF42-8CE8-FFEFD88E29B9}"/>
               </a:ext>
             </a:extLst>
           </p:cNvPr>
@@ -4144,40 +4856,44 @@
           <a:p>
             <a:r>
               <a:rPr lang="en-US" dirty="0"/>
-              <a:t>Demo Shiny App</a:t>
-            </a:r>
-          </a:p>
-        </p:txBody>
-      </p:sp>
-      <p:sp>
-        <p:nvSpPr>
-          <p:cNvPr id="3" name="Content Placeholder 2">
-            <a:extLst>
-              <a:ext uri="{FF2B5EF4-FFF2-40B4-BE49-F238E27FC236}">
-                <a16:creationId xmlns:a16="http://schemas.microsoft.com/office/drawing/2014/main" id="{34E0E2C9-2DEA-DE45-870D-EDFBD513F71B}"/>
-              </a:ext>
-            </a:extLst>
-          </p:cNvPr>
-          <p:cNvSpPr>
-            <a:spLocks noGrp="1"/>
-          </p:cNvSpPr>
+              <a:t>Discussion of Figures (2/2)</a:t>
+            </a:r>
+          </a:p>
+        </p:txBody>
+      </p:sp>
+      <p:pic>
+        <p:nvPicPr>
+          <p:cNvPr id="7" name="Content Placeholder 6" descr="A map of the united states&#10;&#10;Description automatically generated">
+            <a:extLst>
+              <a:ext uri="{FF2B5EF4-FFF2-40B4-BE49-F238E27FC236}">
+                <a16:creationId xmlns:a16="http://schemas.microsoft.com/office/drawing/2014/main" id="{0DEF77A2-56A9-AB4E-A4CF-4E9091FDCD30}"/>
+              </a:ext>
+            </a:extLst>
+          </p:cNvPr>
+          <p:cNvPicPr>
+            <a:picLocks noGrp="1" noChangeAspect="1"/>
+          </p:cNvPicPr>
           <p:nvPr>
             <p:ph idx="1"/>
           </p:nvPr>
-        </p:nvSpPr>
-        <p:spPr/>
-        <p:txBody>
-          <a:bodyPr/>
-          <a:lstStyle/>
-          <a:p>
-            <a:endParaRPr lang="en-US"/>
-          </a:p>
-        </p:txBody>
-      </p:sp>
+        </p:nvPicPr>
+        <p:blipFill>
+          <a:blip r:embed="rId2"/>
+          <a:stretch>
+            <a:fillRect/>
+          </a:stretch>
+        </p:blipFill>
+        <p:spPr>
+          <a:xfrm>
+            <a:off x="2554940" y="365125"/>
+            <a:ext cx="9103659" cy="7282928"/>
+          </a:xfrm>
+        </p:spPr>
+      </p:pic>
     </p:spTree>
     <p:extLst>
       <p:ext uri="{BB962C8B-B14F-4D97-AF65-F5344CB8AC3E}">
-        <p14:creationId xmlns:p14="http://schemas.microsoft.com/office/powerpoint/2010/main" val="445705008"/>
+        <p14:creationId xmlns:p14="http://schemas.microsoft.com/office/powerpoint/2010/main" val="2049086121"/>
       </p:ext>
     </p:extLst>
   </p:cSld>
@@ -4209,7 +4925,7 @@
           <p:cNvPr id="2" name="Title 1">
             <a:extLst>
               <a:ext uri="{FF2B5EF4-FFF2-40B4-BE49-F238E27FC236}">
-                <a16:creationId xmlns:a16="http://schemas.microsoft.com/office/drawing/2014/main" id="{60728D0A-5EC7-064B-A38F-E19D77779A3E}"/>
+                <a16:creationId xmlns:a16="http://schemas.microsoft.com/office/drawing/2014/main" id="{C35D9A9D-34BE-9C45-AE1B-FED5240DF3D4}"/>
               </a:ext>
             </a:extLst>
           </p:cNvPr>
@@ -4227,40 +4943,44 @@
           <a:p>
             <a:r>
               <a:rPr lang="en-US" dirty="0"/>
-              <a:t>Summary of Findings</a:t>
-            </a:r>
-          </a:p>
-        </p:txBody>
-      </p:sp>
-      <p:sp>
-        <p:nvSpPr>
-          <p:cNvPr id="3" name="Content Placeholder 2">
-            <a:extLst>
-              <a:ext uri="{FF2B5EF4-FFF2-40B4-BE49-F238E27FC236}">
-                <a16:creationId xmlns:a16="http://schemas.microsoft.com/office/drawing/2014/main" id="{80952114-70A1-944E-9F40-619CFAE327D0}"/>
-              </a:ext>
-            </a:extLst>
-          </p:cNvPr>
-          <p:cNvSpPr>
-            <a:spLocks noGrp="1"/>
-          </p:cNvSpPr>
+              <a:t>Regression Model</a:t>
+            </a:r>
+          </a:p>
+        </p:txBody>
+      </p:sp>
+      <p:pic>
+        <p:nvPicPr>
+          <p:cNvPr id="5" name="Content Placeholder 4" descr="A computer screen shot of a blue screen&#10;&#10;Description automatically generated">
+            <a:extLst>
+              <a:ext uri="{FF2B5EF4-FFF2-40B4-BE49-F238E27FC236}">
+                <a16:creationId xmlns:a16="http://schemas.microsoft.com/office/drawing/2014/main" id="{1DF3EF6A-E1CB-254A-8255-7302AA74F80C}"/>
+              </a:ext>
+            </a:extLst>
+          </p:cNvPr>
+          <p:cNvPicPr>
+            <a:picLocks noGrp="1" noChangeAspect="1"/>
+          </p:cNvPicPr>
           <p:nvPr>
             <p:ph idx="1"/>
           </p:nvPr>
-        </p:nvSpPr>
-        <p:spPr/>
-        <p:txBody>
-          <a:bodyPr/>
-          <a:lstStyle/>
-          <a:p>
-            <a:endParaRPr lang="en-US"/>
-          </a:p>
-        </p:txBody>
-      </p:sp>
+        </p:nvPicPr>
+        <p:blipFill>
+          <a:blip r:embed="rId2"/>
+          <a:stretch>
+            <a:fillRect/>
+          </a:stretch>
+        </p:blipFill>
+        <p:spPr>
+          <a:xfrm>
+            <a:off x="3403600" y="1919288"/>
+            <a:ext cx="5384800" cy="3581400"/>
+          </a:xfrm>
+        </p:spPr>
+      </p:pic>
     </p:spTree>
     <p:extLst>
       <p:ext uri="{BB962C8B-B14F-4D97-AF65-F5344CB8AC3E}">
-        <p14:creationId xmlns:p14="http://schemas.microsoft.com/office/powerpoint/2010/main" val="2215846928"/>
+        <p14:creationId xmlns:p14="http://schemas.microsoft.com/office/powerpoint/2010/main" val="314626180"/>
       </p:ext>
     </p:extLst>
   </p:cSld>
